--- a/仕様書/仕様書_180727.pptx
+++ b/仕様書/仕様書_180727.pptx
@@ -279,6 +279,35 @@
 </p:presentation>
 </file>
 
+<file path=ppt/changesInfos/changesInfo1.xml><?xml version="1.0" encoding="utf-8"?>
+<pc:chgInfo xmlns:a="http://schemas.openxmlformats.org/drawingml/2006/main" xmlns:r="http://schemas.openxmlformats.org/officeDocument/2006/relationships" xmlns:ac="http://schemas.microsoft.com/office/drawing/2013/main/command" xmlns:pc="http://schemas.microsoft.com/office/powerpoint/2013/main/command">
+  <pc:docChgLst>
+    <pc:chgData name="Waida Takumi (和井田 匠)" userId="88b2899a-5f6b-4c14-bf3e-7f9ae408b91f" providerId="ADAL" clId="{DFDC9B46-B0A0-4B04-A820-F0AF54C14940}"/>
+    <pc:docChg chg="modSld">
+      <pc:chgData name="Waida Takumi (和井田 匠)" userId="88b2899a-5f6b-4c14-bf3e-7f9ae408b91f" providerId="ADAL" clId="{DFDC9B46-B0A0-4B04-A820-F0AF54C14940}" dt="2020-04-13T06:32:17.528" v="0" actId="14100"/>
+      <pc:docMkLst>
+        <pc:docMk/>
+      </pc:docMkLst>
+      <pc:sldChg chg="modSp">
+        <pc:chgData name="Waida Takumi (和井田 匠)" userId="88b2899a-5f6b-4c14-bf3e-7f9ae408b91f" providerId="ADAL" clId="{DFDC9B46-B0A0-4B04-A820-F0AF54C14940}" dt="2020-04-13T06:32:17.528" v="0" actId="14100"/>
+        <pc:sldMkLst>
+          <pc:docMk/>
+          <pc:sldMk cId="753276477" sldId="469"/>
+        </pc:sldMkLst>
+        <pc:picChg chg="mod">
+          <ac:chgData name="Waida Takumi (和井田 匠)" userId="88b2899a-5f6b-4c14-bf3e-7f9ae408b91f" providerId="ADAL" clId="{DFDC9B46-B0A0-4B04-A820-F0AF54C14940}" dt="2020-04-13T06:32:17.528" v="0" actId="14100"/>
+          <ac:picMkLst>
+            <pc:docMk/>
+            <pc:sldMk cId="753276477" sldId="469"/>
+            <ac:picMk id="9" creationId="{F81769BE-374F-44CD-928E-2252ACA94472}"/>
+          </ac:picMkLst>
+        </pc:picChg>
+      </pc:sldChg>
+    </pc:docChg>
+  </pc:docChgLst>
+</pc:chgInfo>
+</file>
+
 <file path=ppt/handoutMasters/handoutMaster1.xml><?xml version="1.0" encoding="utf-8"?>
 <p:handoutMaster xmlns:a="http://schemas.openxmlformats.org/drawingml/2006/main" xmlns:r="http://schemas.openxmlformats.org/officeDocument/2006/relationships" xmlns:p="http://schemas.openxmlformats.org/presentationml/2006/main">
   <p:cSld>
@@ -361,7 +390,7 @@
           <a:p>
             <a:fld id="{F15C28F6-2BFA-B943-AFC1-5876DD1607EC}" type="datetimeFigureOut">
               <a:rPr kumimoji="1" lang="ja-JP" altLang="en-US" smtClean="0"/>
-              <a:t>2018/8/3</a:t>
+              <a:t>2020/4/13</a:t>
             </a:fld>
             <a:endParaRPr kumimoji="1" lang="ja-JP" altLang="en-US"/>
           </a:p>
@@ -526,7 +555,7 @@
           <a:p>
             <a:fld id="{A6EA4893-BFB8-4BD0-B283-10BC1B9E1A6E}" type="datetimeFigureOut">
               <a:rPr lang="en-GB" smtClean="0"/>
-              <a:t>03/08/2018</a:t>
+              <a:t>13/04/2020</a:t>
             </a:fld>
             <a:endParaRPr lang="en-GB" dirty="0"/>
           </a:p>
@@ -9645,7 +9674,7 @@
                 <a:ea typeface="+mn-ea"/>
                 <a:cs typeface="+mn-cs"/>
               </a:rPr>
-              <a:t>03/08/2018</a:t>
+              <a:t>13/04/2020</a:t>
             </a:fld>
             <a:endParaRPr lang="en-GB" sz="600" kern="0" baseline="0" dirty="0">
               <a:solidFill>
@@ -9891,14 +9920,14 @@
           </a:ln>
           <a:extLst>
             <a:ext uri="{909E8E84-426E-40dd-AFC4-6F175D3DCCD1}">
-              <a14:hiddenFill xmlns:a14="http://schemas.microsoft.com/office/drawing/2010/main" xmlns="">
+              <a14:hiddenFill xmlns="" xmlns:a14="http://schemas.microsoft.com/office/drawing/2010/main">
                 <a:solidFill>
                   <a:srgbClr val="FFFFFF"/>
                 </a:solidFill>
               </a14:hiddenFill>
             </a:ext>
             <a:ext uri="{91240B29-F687-4f45-9708-019B960494DF}">
-              <a14:hiddenLine xmlns:a14="http://schemas.microsoft.com/office/drawing/2010/main" xmlns="" w="9525">
+              <a14:hiddenLine xmlns="" xmlns:a14="http://schemas.microsoft.com/office/drawing/2010/main" w="9525">
                 <a:solidFill>
                   <a:srgbClr val="000000"/>
                 </a:solidFill>
@@ -10436,14 +10465,14 @@
           </a:ln>
           <a:extLst>
             <a:ext uri="{909E8E84-426E-40dd-AFC4-6F175D3DCCD1}">
-              <a14:hiddenFill xmlns:a14="http://schemas.microsoft.com/office/drawing/2010/main" xmlns="">
+              <a14:hiddenFill xmlns="" xmlns:a14="http://schemas.microsoft.com/office/drawing/2010/main">
                 <a:solidFill>
                   <a:srgbClr val="FFFFFF"/>
                 </a:solidFill>
               </a14:hiddenFill>
             </a:ext>
             <a:ext uri="{91240B29-F687-4f45-9708-019B960494DF}">
-              <a14:hiddenLine xmlns:a14="http://schemas.microsoft.com/office/drawing/2010/main" xmlns="" w="9525">
+              <a14:hiddenLine xmlns="" xmlns:a14="http://schemas.microsoft.com/office/drawing/2010/main" w="9525">
                 <a:solidFill>
                   <a:srgbClr val="000000"/>
                 </a:solidFill>
@@ -10976,14 +11005,14 @@
           </a:ln>
           <a:extLst>
             <a:ext uri="{909E8E84-426E-40dd-AFC4-6F175D3DCCD1}">
-              <a14:hiddenFill xmlns:a14="http://schemas.microsoft.com/office/drawing/2010/main" xmlns="">
+              <a14:hiddenFill xmlns="" xmlns:a14="http://schemas.microsoft.com/office/drawing/2010/main">
                 <a:solidFill>
                   <a:srgbClr val="FFFFFF"/>
                 </a:solidFill>
               </a14:hiddenFill>
             </a:ext>
             <a:ext uri="{91240B29-F687-4f45-9708-019B960494DF}">
-              <a14:hiddenLine xmlns:a14="http://schemas.microsoft.com/office/drawing/2010/main" xmlns="" w="9525">
+              <a14:hiddenLine xmlns="" xmlns:a14="http://schemas.microsoft.com/office/drawing/2010/main" w="9525">
                 <a:solidFill>
                   <a:srgbClr val="000000"/>
                 </a:solidFill>
@@ -11103,7 +11132,7 @@
                 <a:ea typeface="+mn-ea"/>
                 <a:cs typeface="+mn-cs"/>
               </a:rPr>
-              <a:t>03/08/2018</a:t>
+              <a:t>13/04/2020</a:t>
             </a:fld>
             <a:endParaRPr lang="en-GB" sz="600" kern="0" baseline="0" dirty="0">
               <a:solidFill>
@@ -11746,7 +11775,6 @@
           <a:ln>
             <a:noFill/>
           </a:ln>
-          <a:extLst/>
         </p:spPr>
         <p:txBody>
           <a:bodyPr wrap="none">
@@ -11868,7 +11896,7 @@
                 </a:solidFill>
               </a:rPr>
               <a:pPr/>
-              <a:t>03/08/2018</a:t>
+              <a:t>13/04/2020</a:t>
             </a:fld>
             <a:endParaRPr lang="en-GB" sz="600" kern="0" dirty="0">
               <a:solidFill>
@@ -12088,14 +12116,14 @@
           </a:ln>
           <a:extLst>
             <a:ext uri="{909E8E84-426E-40dd-AFC4-6F175D3DCCD1}">
-              <a14:hiddenFill xmlns:a14="http://schemas.microsoft.com/office/drawing/2010/main" xmlns="">
+              <a14:hiddenFill xmlns="" xmlns:a14="http://schemas.microsoft.com/office/drawing/2010/main">
                 <a:solidFill>
                   <a:srgbClr val="FFFFFF"/>
                 </a:solidFill>
               </a14:hiddenFill>
             </a:ext>
             <a:ext uri="{91240B29-F687-4f45-9708-019B960494DF}">
-              <a14:hiddenLine xmlns:a14="http://schemas.microsoft.com/office/drawing/2010/main" xmlns="" w="9525">
+              <a14:hiddenLine xmlns="" xmlns:a14="http://schemas.microsoft.com/office/drawing/2010/main" w="9525">
                 <a:solidFill>
                   <a:srgbClr val="000000"/>
                 </a:solidFill>
@@ -12564,7 +12592,6 @@
           <a:ln>
             <a:noFill/>
           </a:ln>
-          <a:extLst/>
         </p:spPr>
         <p:txBody>
           <a:bodyPr wrap="none">
@@ -12686,7 +12713,7 @@
                 </a:solidFill>
               </a:rPr>
               <a:pPr/>
-              <a:t>03/08/2018</a:t>
+              <a:t>13/04/2020</a:t>
             </a:fld>
             <a:endParaRPr lang="en-GB" sz="600" kern="0" dirty="0">
               <a:solidFill>
@@ -12906,14 +12933,14 @@
           </a:ln>
           <a:extLst>
             <a:ext uri="{909E8E84-426E-40dd-AFC4-6F175D3DCCD1}">
-              <a14:hiddenFill xmlns:a14="http://schemas.microsoft.com/office/drawing/2010/main" xmlns="">
+              <a14:hiddenFill xmlns="" xmlns:a14="http://schemas.microsoft.com/office/drawing/2010/main">
                 <a:solidFill>
                   <a:srgbClr val="FFFFFF"/>
                 </a:solidFill>
               </a14:hiddenFill>
             </a:ext>
             <a:ext uri="{91240B29-F687-4f45-9708-019B960494DF}">
-              <a14:hiddenLine xmlns:a14="http://schemas.microsoft.com/office/drawing/2010/main" xmlns="" w="9525">
+              <a14:hiddenLine xmlns="" xmlns:a14="http://schemas.microsoft.com/office/drawing/2010/main" w="9525">
                 <a:solidFill>
                   <a:srgbClr val="000000"/>
                 </a:solidFill>
@@ -19541,8 +19568,8 @@
         </p:blipFill>
         <p:spPr>
           <a:xfrm>
-            <a:off x="1115616" y="1531799"/>
-            <a:ext cx="4762841" cy="2041217"/>
+            <a:off x="1115616" y="1531800"/>
+            <a:ext cx="4714613" cy="2020548"/>
           </a:xfrm>
           <a:prstGeom prst="rect">
             <a:avLst/>
@@ -38045,7 +38072,7 @@
           <a:graphicData uri="http://schemas.openxmlformats.org/presentationml/2006/ole">
             <mc:AlternateContent xmlns:mc="http://schemas.openxmlformats.org/markup-compatibility/2006">
               <mc:Choice xmlns:v="urn:schemas-microsoft-com:vml" Requires="v">
-                <p:oleObj spid="_x0000_s1035" name="Worksheet" r:id="rId3" imgW="7667723" imgH="4810050" progId="Excel.Sheet.12">
+                <p:oleObj spid="_x0000_s1026" name="Worksheet" r:id="rId3" imgW="7667723" imgH="4810050" progId="Excel.Sheet.12">
                   <p:embed/>
                 </p:oleObj>
               </mc:Choice>
@@ -38054,7 +38081,13 @@
                   <p:embed/>
                   <p:pic>
                     <p:nvPicPr>
-                      <p:cNvPr id="0" name=""/>
+                      <p:cNvPr id="5" name="オブジェクト 4">
+                        <a:extLst>
+                          <a:ext uri="{FF2B5EF4-FFF2-40B4-BE49-F238E27FC236}">
+                            <a16:creationId xmlns:a16="http://schemas.microsoft.com/office/drawing/2014/main" id="{EB290844-F573-4AE7-8FEF-EBA78C250ED8}"/>
+                          </a:ext>
+                        </a:extLst>
+                      </p:cNvPr>
                       <p:cNvPicPr/>
                       <p:nvPr/>
                     </p:nvPicPr>
